--- a/midtermPresentation.pptx
+++ b/midtermPresentation.pptx
@@ -128,6 +128,11 @@
       </a:defRPr>
     </a:lvl9pPr>
   </p:defaultTextStyle>
+  <p:extLst>
+    <p:ext uri="{EFAFB233-063F-42B5-8137-9DF3F51BA10A}">
+      <p15:sldGuideLst xmlns:p15="http://schemas.microsoft.com/office/powerpoint/2012/main"/>
+    </p:ext>
+  </p:extLst>
 </p:presentation>
 </file>
 
@@ -213,7 +218,7 @@
           <a:p>
             <a:fld id="{0DCE51C3-1399-444A-A96B-FF427AEECDA7}" type="datetimeFigureOut">
               <a:rPr lang="en-US" smtClean="0"/>
-              <a:t>3/3/16</a:t>
+              <a:t>3/7/2016</a:t>
             </a:fld>
             <a:endParaRPr lang="en-US"/>
           </a:p>
@@ -1272,7 +1277,7 @@
           <a:p>
             <a:fld id="{270FFD9A-A02F-614C-A015-31DCE806BB98}" type="datetimeFigureOut">
               <a:rPr lang="en-US" smtClean="0"/>
-              <a:t>3/2/16</a:t>
+              <a:t>3/7/2016</a:t>
             </a:fld>
             <a:endParaRPr lang="en-US"/>
           </a:p>
@@ -1442,7 +1447,7 @@
           <a:p>
             <a:fld id="{270FFD9A-A02F-614C-A015-31DCE806BB98}" type="datetimeFigureOut">
               <a:rPr lang="en-US" smtClean="0"/>
-              <a:t>3/2/16</a:t>
+              <a:t>3/7/2016</a:t>
             </a:fld>
             <a:endParaRPr lang="en-US"/>
           </a:p>
@@ -1622,7 +1627,7 @@
           <a:p>
             <a:fld id="{270FFD9A-A02F-614C-A015-31DCE806BB98}" type="datetimeFigureOut">
               <a:rPr lang="en-US" smtClean="0"/>
-              <a:t>3/2/16</a:t>
+              <a:t>3/7/2016</a:t>
             </a:fld>
             <a:endParaRPr lang="en-US"/>
           </a:p>
@@ -1792,7 +1797,7 @@
           <a:p>
             <a:fld id="{270FFD9A-A02F-614C-A015-31DCE806BB98}" type="datetimeFigureOut">
               <a:rPr lang="en-US" smtClean="0"/>
-              <a:t>3/2/16</a:t>
+              <a:t>3/7/2016</a:t>
             </a:fld>
             <a:endParaRPr lang="en-US"/>
           </a:p>
@@ -2038,7 +2043,7 @@
           <a:p>
             <a:fld id="{270FFD9A-A02F-614C-A015-31DCE806BB98}" type="datetimeFigureOut">
               <a:rPr lang="en-US" smtClean="0"/>
-              <a:t>3/2/16</a:t>
+              <a:t>3/7/2016</a:t>
             </a:fld>
             <a:endParaRPr lang="en-US"/>
           </a:p>
@@ -2270,7 +2275,7 @@
           <a:p>
             <a:fld id="{270FFD9A-A02F-614C-A015-31DCE806BB98}" type="datetimeFigureOut">
               <a:rPr lang="en-US" smtClean="0"/>
-              <a:t>3/2/16</a:t>
+              <a:t>3/7/2016</a:t>
             </a:fld>
             <a:endParaRPr lang="en-US"/>
           </a:p>
@@ -2637,7 +2642,7 @@
           <a:p>
             <a:fld id="{270FFD9A-A02F-614C-A015-31DCE806BB98}" type="datetimeFigureOut">
               <a:rPr lang="en-US" smtClean="0"/>
-              <a:t>3/2/16</a:t>
+              <a:t>3/7/2016</a:t>
             </a:fld>
             <a:endParaRPr lang="en-US"/>
           </a:p>
@@ -2755,7 +2760,7 @@
           <a:p>
             <a:fld id="{270FFD9A-A02F-614C-A015-31DCE806BB98}" type="datetimeFigureOut">
               <a:rPr lang="en-US" smtClean="0"/>
-              <a:t>3/2/16</a:t>
+              <a:t>3/7/2016</a:t>
             </a:fld>
             <a:endParaRPr lang="en-US"/>
           </a:p>
@@ -2850,7 +2855,7 @@
           <a:p>
             <a:fld id="{270FFD9A-A02F-614C-A015-31DCE806BB98}" type="datetimeFigureOut">
               <a:rPr lang="en-US" smtClean="0"/>
-              <a:t>3/2/16</a:t>
+              <a:t>3/7/2016</a:t>
             </a:fld>
             <a:endParaRPr lang="en-US"/>
           </a:p>
@@ -3127,7 +3132,7 @@
           <a:p>
             <a:fld id="{270FFD9A-A02F-614C-A015-31DCE806BB98}" type="datetimeFigureOut">
               <a:rPr lang="en-US" smtClean="0"/>
-              <a:t>3/2/16</a:t>
+              <a:t>3/7/2016</a:t>
             </a:fld>
             <a:endParaRPr lang="en-US"/>
           </a:p>
@@ -3380,7 +3385,7 @@
           <a:p>
             <a:fld id="{270FFD9A-A02F-614C-A015-31DCE806BB98}" type="datetimeFigureOut">
               <a:rPr lang="en-US" smtClean="0"/>
-              <a:t>3/2/16</a:t>
+              <a:t>3/7/2016</a:t>
             </a:fld>
             <a:endParaRPr lang="en-US"/>
           </a:p>
@@ -3593,7 +3598,7 @@
           <a:p>
             <a:fld id="{270FFD9A-A02F-614C-A015-31DCE806BB98}" type="datetimeFigureOut">
               <a:rPr lang="en-US" smtClean="0"/>
-              <a:t>3/2/16</a:t>
+              <a:t>3/7/2016</a:t>
             </a:fld>
             <a:endParaRPr lang="en-US"/>
           </a:p>
@@ -6458,10 +6463,6 @@
               <a:rPr lang="en-US" dirty="0" smtClean="0"/>
               <a:t>Introduction</a:t>
             </a:r>
-            <a:r>
-              <a:rPr lang="en-US" dirty="0" smtClean="0"/>
-              <a:t/>
-            </a:r>
             <a:br>
               <a:rPr lang="en-US" dirty="0" smtClean="0"/>
             </a:br>
@@ -6816,60 +6817,36 @@
           </a:p>
         </p:txBody>
       </p:sp>
-      <p:sp>
-        <p:nvSpPr>
-          <p:cNvPr id="3" name="Content Placeholder 2"/>
-          <p:cNvSpPr>
-            <a:spLocks noGrp="1"/>
-          </p:cNvSpPr>
-          <p:nvPr>
-            <p:ph idx="1"/>
-          </p:nvPr>
-        </p:nvSpPr>
-        <p:spPr/>
-        <p:txBody>
-          <a:bodyPr/>
-          <a:lstStyle/>
-          <a:p>
-            <a:r>
-              <a:rPr lang="en-US" dirty="0" smtClean="0"/>
-              <a:t>An iOS app</a:t>
-            </a:r>
-          </a:p>
-          <a:p>
-            <a:r>
-              <a:rPr lang="en-US" dirty="0" smtClean="0"/>
-              <a:t>Collect data for research purposes</a:t>
-            </a:r>
-          </a:p>
-          <a:p>
-            <a:r>
-              <a:rPr lang="en-US" dirty="0"/>
-              <a:t>L</a:t>
-            </a:r>
-            <a:r>
-              <a:rPr lang="en-US" dirty="0" smtClean="0"/>
-              <a:t>imited user-­interaction relating to an individual’s daily transit</a:t>
-            </a:r>
-          </a:p>
-          <a:p>
-            <a:r>
-              <a:rPr lang="en-US" dirty="0"/>
-              <a:t>S</a:t>
-            </a:r>
-            <a:r>
-              <a:rPr lang="en-US" dirty="0" smtClean="0"/>
-              <a:t>ervers to keep record of participation and data</a:t>
-            </a:r>
-          </a:p>
-          <a:p>
-            <a:r>
-              <a:rPr lang="en-US" dirty="0" smtClean="0"/>
-              <a:t>Concern- security, privacy, convenient, data accuracy</a:t>
-            </a:r>
-          </a:p>
-        </p:txBody>
-      </p:sp>
+      <p:pic>
+        <p:nvPicPr>
+          <p:cNvPr id="5" name="Picture 4"/>
+          <p:cNvPicPr>
+            <a:picLocks noChangeAspect="1"/>
+          </p:cNvPicPr>
+          <p:nvPr/>
+        </p:nvPicPr>
+        <p:blipFill>
+          <a:blip r:embed="rId2">
+            <a:extLst>
+              <a:ext uri="{28A0092B-C50C-407E-A947-70E740481C1C}">
+                <a14:useLocalDpi xmlns:a14="http://schemas.microsoft.com/office/drawing/2010/main" val="0"/>
+              </a:ext>
+            </a:extLst>
+          </a:blip>
+          <a:stretch>
+            <a:fillRect/>
+          </a:stretch>
+        </p:blipFill>
+        <p:spPr>
+          <a:xfrm>
+            <a:off x="2547937" y="1427225"/>
+            <a:ext cx="7096125" cy="5305917"/>
+          </a:xfrm>
+          <a:prstGeom prst="rect">
+            <a:avLst/>
+          </a:prstGeom>
+        </p:spPr>
+      </p:pic>
     </p:spTree>
     <p:extLst>
       <p:ext uri="{BB962C8B-B14F-4D97-AF65-F5344CB8AC3E}">
@@ -7117,11 +7094,7 @@
           <a:p>
             <a:r>
               <a:rPr lang="en-US" dirty="0" smtClean="0"/>
-              <a:t>Traffic </a:t>
-            </a:r>
-            <a:r>
-              <a:rPr lang="en-US" dirty="0" smtClean="0"/>
-              <a:t>data</a:t>
+              <a:t>Traffic data</a:t>
             </a:r>
           </a:p>
           <a:p>
@@ -7145,7 +7118,6 @@
               <a:rPr lang="en-US" dirty="0" smtClean="0"/>
               <a:t>Queried</a:t>
             </a:r>
-            <a:endParaRPr lang="en-US" dirty="0" smtClean="0"/>
           </a:p>
           <a:p>
             <a:r>
